--- a/ppt/dotNet13-EF.pptx
+++ b/ppt/dotNet13-EF.pptx
@@ -32806,7 +32806,7 @@
               <a:rPr lang="en-GB" sz="1600" dirty="0">
                 <a:latin typeface="Courier New" pitchFamily="49" charset="0"/>
               </a:rPr>
-              <a:t> Person Owner { </a:t>
+              <a:t> Person? Owner { </a:t>
             </a:r>
             <a:r>
               <a:rPr lang="en-GB" sz="1600" b="1" dirty="0">
